--- a/2020/09/11/an-introduction-to-automated-testing-for-web-applications-by-example-with-symfony/static-structure.pptx
+++ b/2020/09/11/an-introduction-to-automated-testing-for-web-applications-by-example-with-symfony/static-structure.pptx
@@ -6,6 +6,7 @@
   </p:sldMasterIdLst>
   <p:sldIdLst>
     <p:sldId id="256" r:id="rId3"/>
+    <p:sldId id="257" r:id="rId4"/>
   </p:sldIdLst>
   <p:sldSz cx="12192000" cy="6858000"/>
   <p:notesSz cx="6858000" cy="12192000"/>
@@ -3339,7 +3340,7 @@
         </p:nvSpPr>
         <p:spPr bwMode="auto">
           <a:xfrm flipH="0" flipV="0">
-            <a:off x="6286131" y="4152695"/>
+            <a:off x="6286130" y="4152695"/>
             <a:ext cx="2495549" cy="676274"/>
           </a:xfrm>
           <a:prstGeom prst="rect">
@@ -3582,7 +3583,7 @@
           <p:nvPr isPhoto="0" userDrawn="0"/>
         </p:nvSpPr>
         <p:spPr bwMode="auto">
-          <a:xfrm rot="10799990" flipH="0" flipV="0">
+          <a:xfrm rot="10799989" flipH="0" flipV="0">
             <a:off x="4936268" y="4301631"/>
             <a:ext cx="1349863" cy="914400"/>
           </a:xfrm>
@@ -3610,6 +3611,423 @@
             <a:schemeClr val="lt1"/>
           </a:fontRef>
         </p:style>
+      </p:sp>
+    </p:spTree>
+  </p:cSld>
+  <p:clrMapOvr>
+    <a:masterClrMapping/>
+  </p:clrMapOvr>
+  <mc:AlternateContent xmlns:mc="http://schemas.openxmlformats.org/markup-compatibility/2006">
+    <mc:Choice xmlns:p14="http://schemas.microsoft.com/office/powerpoint/2010/main" Requires="p14">
+      <p:transition p14:dur="2000" advClick="1"/>
+    </mc:Choice>
+    <mc:Fallback>
+      <p:transition advClick="1"/>
+    </mc:Fallback>
+  </mc:AlternateContent>
+</p:sld>
+</file>
+
+<file path=ppt/slides/slide2.xml><?xml version="1.0" encoding="utf-8"?>
+<p:sld xmlns:a="http://schemas.openxmlformats.org/drawingml/2006/main" xmlns:r="http://schemas.openxmlformats.org/officeDocument/2006/relationships" xmlns:p="http://schemas.openxmlformats.org/presentationml/2006/main" xmlns:m="http://schemas.openxmlformats.org/officeDocument/2006/math" xmlns:w="http://schemas.openxmlformats.org/wordprocessingml/2006/main" showMasterPhAnim="0" show="1">
+  <p:cSld name="">
+    <p:spTree>
+      <p:nvGrpSpPr>
+        <p:cNvPr id="1" name="" hidden="0"/>
+        <p:cNvGrpSpPr/>
+        <p:nvPr isPhoto="0" userDrawn="0"/>
+      </p:nvGrpSpPr>
+      <p:grpSpPr bwMode="auto">
+        <a:xfrm>
+          <a:off x="0" y="0"/>
+          <a:ext cx="0" cy="0"/>
+          <a:chOff x="0" y="0"/>
+          <a:chExt cx="0" cy="0"/>
+        </a:xfrm>
+      </p:grpSpPr>
+      <p:sp>
+        <p:nvSpPr>
+          <p:cNvPr id="4" name="" hidden="0"/>
+          <p:cNvSpPr/>
+          <p:nvPr isPhoto="0" userDrawn="0"/>
+        </p:nvSpPr>
+        <p:spPr bwMode="auto">
+          <a:xfrm flipH="0" flipV="0">
+            <a:off x="3662985" y="416140"/>
+            <a:ext cx="8063883" cy="5548543"/>
+          </a:xfrm>
+          <a:prstGeom prst="triangle">
+            <a:avLst>
+              <a:gd name="adj" fmla="val 50000"/>
+            </a:avLst>
+          </a:prstGeom>
+          <a:gradFill>
+            <a:gsLst>
+              <a:gs pos="0">
+                <a:schemeClr val="accent1"/>
+              </a:gs>
+              <a:gs pos="100000">
+                <a:srgbClr val="FFFFFF"/>
+              </a:gs>
+            </a:gsLst>
+            <a:lin ang="16200000" scaled="1"/>
+          </a:gradFill>
+          <a:ln w="28575" cap="flat" cmpd="sng" algn="ctr">
+            <a:solidFill>
+              <a:schemeClr val="tx1"/>
+            </a:solidFill>
+            <a:prstDash val="solid"/>
+            <a:miter/>
+          </a:ln>
+        </p:spPr>
+        <p:style>
+          <a:lnRef idx="2">
+            <a:schemeClr val="accent1">
+              <a:shade val="50000"/>
+            </a:schemeClr>
+          </a:lnRef>
+          <a:fillRef idx="1">
+            <a:schemeClr val="accent1"/>
+          </a:fillRef>
+          <a:effectRef idx="0">
+            <a:schemeClr val="accent1"/>
+          </a:effectRef>
+          <a:fontRef idx="minor">
+            <a:schemeClr val="lt1"/>
+          </a:fontRef>
+        </p:style>
+      </p:sp>
+      <p:sp>
+        <p:nvSpPr>
+          <p:cNvPr id="5" name="" hidden="0"/>
+          <p:cNvSpPr/>
+          <p:nvPr isPhoto="0" userDrawn="0"/>
+        </p:nvSpPr>
+        <p:spPr bwMode="auto">
+          <a:xfrm flipH="0" flipV="0">
+            <a:off x="6282360" y="2015970"/>
+            <a:ext cx="2825133" cy="1313155"/>
+          </a:xfrm>
+          <a:prstGeom prst="rect">
+            <a:avLst/>
+          </a:prstGeom>
+          <a:noFill/>
+        </p:spPr>
+        <p:txBody>
+          <a:bodyPr vertOverflow="overflow" horzOverflow="clip" vert="horz" wrap="square" lIns="91440" tIns="45720" rIns="91440" bIns="45720" numCol="1" spcCol="0" rtlCol="0" fromWordArt="0" anchor="t" anchorCtr="0" forceAA="0" upright="0" compatLnSpc="0">
+            <a:noAutofit/>
+          </a:bodyPr>
+          <a:p>
+            <a:pPr algn="ctr">
+              <a:defRPr/>
+            </a:pPr>
+            <a:r>
+              <a:rPr sz="3600" b="1">
+                <a:ln w="12699">
+                  <a:noFill/>
+                  <a:prstDash val="solid"/>
+                </a:ln>
+              </a:rPr>
+              <a:t>Functional</a:t>
+            </a:r>
+            <a:endParaRPr sz="3600" b="1">
+              <a:ln w="12699">
+                <a:noFill/>
+                <a:prstDash val="solid"/>
+              </a:ln>
+            </a:endParaRPr>
+          </a:p>
+          <a:p>
+            <a:pPr algn="ctr">
+              <a:defRPr/>
+            </a:pPr>
+            <a:r>
+              <a:rPr sz="3600" b="1">
+                <a:ln w="12699">
+                  <a:noFill/>
+                  <a:prstDash val="solid"/>
+                </a:ln>
+              </a:rPr>
+              <a:t>Tests</a:t>
+            </a:r>
+            <a:endParaRPr sz="3600" b="1">
+              <a:ln w="12699">
+                <a:noFill/>
+                <a:prstDash val="solid"/>
+              </a:ln>
+            </a:endParaRPr>
+          </a:p>
+        </p:txBody>
+      </p:sp>
+      <p:sp>
+        <p:nvSpPr>
+          <p:cNvPr id="6" name="" hidden="0"/>
+          <p:cNvSpPr/>
+          <p:nvPr isPhoto="0" userDrawn="0"/>
+        </p:nvSpPr>
+        <p:spPr bwMode="auto">
+          <a:xfrm flipH="0" flipV="0">
+            <a:off x="5709010" y="3569563"/>
+            <a:ext cx="3971832" cy="640115"/>
+          </a:xfrm>
+          <a:prstGeom prst="rect">
+            <a:avLst/>
+          </a:prstGeom>
+          <a:noFill/>
+        </p:spPr>
+        <p:txBody>
+          <a:bodyPr vertOverflow="overflow" horzOverflow="clip" vert="horz" wrap="square" lIns="91440" tIns="45720" rIns="91440" bIns="45720" numCol="1" spcCol="0" rtlCol="0" fromWordArt="0" anchor="t" anchorCtr="0" forceAA="0" upright="0" compatLnSpc="0">
+            <a:noAutofit/>
+          </a:bodyPr>
+          <a:p>
+            <a:pPr algn="ctr">
+              <a:defRPr/>
+            </a:pPr>
+            <a:r>
+              <a:rPr sz="3600" b="1"/>
+              <a:t>Integration</a:t>
+            </a:r>
+            <a:r>
+              <a:rPr sz="3600" b="1"/>
+              <a:t> </a:t>
+            </a:r>
+            <a:r>
+              <a:rPr sz="3600" b="1"/>
+              <a:t>Tests</a:t>
+            </a:r>
+            <a:endParaRPr sz="3600" b="1"/>
+          </a:p>
+        </p:txBody>
+      </p:sp>
+      <p:sp>
+        <p:nvSpPr>
+          <p:cNvPr id="7" name="" hidden="0"/>
+          <p:cNvSpPr/>
+          <p:nvPr isPhoto="0" userDrawn="0"/>
+        </p:nvSpPr>
+        <p:spPr bwMode="auto">
+          <a:xfrm flipH="0" flipV="0">
+            <a:off x="6203755" y="4956697"/>
+            <a:ext cx="2982342" cy="640115"/>
+          </a:xfrm>
+          <a:prstGeom prst="rect">
+            <a:avLst/>
+          </a:prstGeom>
+          <a:noFill/>
+        </p:spPr>
+        <p:txBody>
+          <a:bodyPr vertOverflow="overflow" horzOverflow="clip" vert="horz" wrap="square" lIns="91440" tIns="45720" rIns="91440" bIns="45720" numCol="1" spcCol="0" rtlCol="0" fromWordArt="0" anchor="t" anchorCtr="0" forceAA="0" upright="0" compatLnSpc="0">
+            <a:noAutofit/>
+          </a:bodyPr>
+          <a:p>
+            <a:pPr algn="ctr">
+              <a:defRPr/>
+            </a:pPr>
+            <a:r>
+              <a:rPr sz="3600" b="1"/>
+              <a:t>Unit </a:t>
+            </a:r>
+            <a:r>
+              <a:rPr sz="3600" b="1"/>
+              <a:t>Tests</a:t>
+            </a:r>
+            <a:endParaRPr sz="3600" b="1"/>
+          </a:p>
+        </p:txBody>
+      </p:sp>
+      <p:cxnSp>
+        <p:nvCxnSpPr>
+          <p:cNvPr id="8" name="" hidden="0"/>
+          <p:cNvCxnSpPr>
+            <a:cxnSpLocks/>
+            <a:stCxn id="4" idx="1"/>
+            <a:endCxn id="4" idx="5"/>
+          </p:cNvCxnSpPr>
+          <p:nvPr isPhoto="0" userDrawn="0"/>
+        </p:nvCxnSpPr>
+        <p:spPr bwMode="auto">
+          <a:xfrm rot="10799990" flipH="1" flipV="0">
+            <a:off x="5678956" y="3190412"/>
+            <a:ext cx="4031941" cy="0"/>
+          </a:xfrm>
+          <a:prstGeom prst="line">
+            <a:avLst/>
+          </a:prstGeom>
+          <a:ln w="19049" cap="flat" cmpd="sng" algn="ctr">
+            <a:solidFill>
+              <a:srgbClr val="000000"/>
+            </a:solidFill>
+            <a:prstDash val="solid"/>
+            <a:miter/>
+          </a:ln>
+        </p:spPr>
+        <p:style>
+          <a:lnRef idx="1">
+            <a:schemeClr val="accent1">
+              <a:shade val="50000"/>
+            </a:schemeClr>
+          </a:lnRef>
+          <a:fillRef idx="0">
+            <a:schemeClr val="accent1"/>
+          </a:fillRef>
+          <a:effectRef idx="0">
+            <a:schemeClr val="accent1"/>
+          </a:effectRef>
+          <a:fontRef idx="minor">
+            <a:schemeClr val="tx1"/>
+          </a:fontRef>
+        </p:style>
+      </p:cxnSp>
+      <p:cxnSp>
+        <p:nvCxnSpPr>
+          <p:cNvPr id="9" name="" hidden="0"/>
+          <p:cNvCxnSpPr>
+            <a:cxnSpLocks/>
+          </p:cNvCxnSpPr>
+          <p:nvPr isPhoto="0" userDrawn="0"/>
+        </p:nvCxnSpPr>
+        <p:spPr bwMode="auto">
+          <a:xfrm rot="10799990" flipH="1" flipV="0">
+            <a:off x="4643227" y="4605290"/>
+            <a:ext cx="6103397" cy="0"/>
+          </a:xfrm>
+          <a:prstGeom prst="line">
+            <a:avLst/>
+          </a:prstGeom>
+          <a:ln w="19049" cap="flat" cmpd="sng" algn="ctr">
+            <a:solidFill>
+              <a:srgbClr val="000000"/>
+            </a:solidFill>
+            <a:prstDash val="solid"/>
+            <a:miter/>
+          </a:ln>
+        </p:spPr>
+        <p:style>
+          <a:lnRef idx="1">
+            <a:schemeClr val="accent1">
+              <a:shade val="50000"/>
+            </a:schemeClr>
+          </a:lnRef>
+          <a:fillRef idx="0">
+            <a:schemeClr val="accent1"/>
+          </a:fillRef>
+          <a:effectRef idx="0">
+            <a:schemeClr val="accent1"/>
+          </a:effectRef>
+          <a:fontRef idx="minor">
+            <a:schemeClr val="tx1"/>
+          </a:fontRef>
+        </p:style>
+      </p:cxnSp>
+      <p:sp>
+        <p:nvSpPr>
+          <p:cNvPr id="10" name="" hidden="0"/>
+          <p:cNvSpPr/>
+          <p:nvPr isPhoto="0" userDrawn="0"/>
+        </p:nvSpPr>
+        <p:spPr bwMode="auto">
+          <a:xfrm rot="2154539" flipH="0" flipV="0">
+            <a:off x="5040912" y="-306862"/>
+            <a:ext cx="484631" cy="6643370"/>
+          </a:xfrm>
+          <a:prstGeom prst="upDownArrow">
+            <a:avLst>
+              <a:gd name="adj1" fmla="val 50000"/>
+              <a:gd name="adj2" fmla="val 50000"/>
+            </a:avLst>
+          </a:prstGeom>
+          <a:gradFill>
+            <a:gsLst>
+              <a:gs pos="0">
+                <a:schemeClr val="accent1"/>
+              </a:gs>
+              <a:gs pos="100000">
+                <a:srgbClr val="FFFFFF"/>
+              </a:gs>
+            </a:gsLst>
+            <a:lin ang="16200000" scaled="1"/>
+          </a:gradFill>
+        </p:spPr>
+        <p:style>
+          <a:lnRef idx="2">
+            <a:schemeClr val="accent1">
+              <a:shade val="50000"/>
+            </a:schemeClr>
+          </a:lnRef>
+          <a:fillRef idx="1">
+            <a:schemeClr val="accent1"/>
+          </a:fillRef>
+          <a:effectRef idx="0">
+            <a:schemeClr val="accent1"/>
+          </a:effectRef>
+          <a:fontRef idx="minor">
+            <a:schemeClr val="lt1"/>
+          </a:fontRef>
+        </p:style>
+      </p:sp>
+      <p:sp>
+        <p:nvSpPr>
+          <p:cNvPr id="11" name="" hidden="0"/>
+          <p:cNvSpPr/>
+          <p:nvPr isPhoto="0" userDrawn="0"/>
+        </p:nvSpPr>
+        <p:spPr bwMode="auto">
+          <a:xfrm flipH="0" flipV="0">
+            <a:off x="4902159" y="434635"/>
+            <a:ext cx="1784781" cy="434635"/>
+          </a:xfrm>
+          <a:prstGeom prst="rect">
+            <a:avLst/>
+          </a:prstGeom>
+          <a:noFill/>
+        </p:spPr>
+        <p:txBody>
+          <a:bodyPr vertOverflow="overflow" horzOverflow="clip" vert="horz" wrap="square" lIns="91440" tIns="45720" rIns="91440" bIns="45720" numCol="1" spcCol="0" rtlCol="0" fromWordArt="0" anchor="t" anchorCtr="0" forceAA="0" upright="0" compatLnSpc="0">
+            <a:noAutofit/>
+          </a:bodyPr>
+          <a:p>
+            <a:pPr>
+              <a:defRPr/>
+            </a:pPr>
+            <a:r>
+              <a:rPr/>
+              <a:t>Fewer &amp; slower</a:t>
+            </a:r>
+            <a:endParaRPr/>
+          </a:p>
+        </p:txBody>
+      </p:sp>
+      <p:sp>
+        <p:nvSpPr>
+          <p:cNvPr id="12" name="" hidden="0"/>
+          <p:cNvSpPr/>
+          <p:nvPr isPhoto="0" userDrawn="0"/>
+        </p:nvSpPr>
+        <p:spPr bwMode="auto">
+          <a:xfrm flipH="0" flipV="0">
+            <a:off x="1887450" y="4842120"/>
+            <a:ext cx="1590582" cy="434634"/>
+          </a:xfrm>
+          <a:prstGeom prst="rect">
+            <a:avLst/>
+          </a:prstGeom>
+          <a:noFill/>
+        </p:spPr>
+        <p:txBody>
+          <a:bodyPr vertOverflow="overflow" horzOverflow="clip" vert="horz" wrap="square" lIns="91440" tIns="45720" rIns="91440" bIns="45720" numCol="1" spcCol="0" rtlCol="0" fromWordArt="0" anchor="t" anchorCtr="0" forceAA="0" upright="0" compatLnSpc="0">
+            <a:noAutofit/>
+          </a:bodyPr>
+          <a:p>
+            <a:pPr>
+              <a:defRPr/>
+            </a:pPr>
+            <a:r>
+              <a:rPr/>
+              <a:t>More &amp; faster</a:t>
+            </a:r>
+            <a:endParaRPr/>
+          </a:p>
+        </p:txBody>
       </p:sp>
     </p:spTree>
   </p:cSld>
